--- a/Mod4 Presentation.pptx
+++ b/Mod4 Presentation.pptx
@@ -11346,10 +11346,10 @@
       </p:cxnSp>
       <p:pic>
         <p:nvPicPr>
-          <p:cNvPr id="7" name="Picture 6" descr="A picture containing text&#10;&#10;Description automatically generated">
-            <a:extLst>
-              <a:ext uri="{FF2B5EF4-FFF2-40B4-BE49-F238E27FC236}">
-                <a16:creationId xmlns:a16="http://schemas.microsoft.com/office/drawing/2014/main" id="{E95651F6-85A4-B443-AC55-87C122C058DE}"/>
+          <p:cNvPr id="11" name="Picture 10" descr="Chart, bar chart&#10;&#10;Description automatically generated">
+            <a:extLst>
+              <a:ext uri="{FF2B5EF4-FFF2-40B4-BE49-F238E27FC236}">
+                <a16:creationId xmlns:a16="http://schemas.microsoft.com/office/drawing/2014/main" id="{C34DC453-8815-B545-A48D-0C925FD2C0D6}"/>
               </a:ext>
             </a:extLst>
           </p:cNvPr>
@@ -11366,8 +11366,8 @@
         </p:blipFill>
         <p:spPr>
           <a:xfrm>
-            <a:off x="618546" y="1936521"/>
-            <a:ext cx="4762500" cy="3073400"/>
+            <a:off x="6267257" y="1780830"/>
+            <a:ext cx="5746902" cy="3701646"/>
           </a:xfrm>
           <a:prstGeom prst="rect">
             <a:avLst/>
@@ -11376,10 +11376,10 @@
       </p:pic>
       <p:pic>
         <p:nvPicPr>
-          <p:cNvPr id="11" name="Picture 10" descr="Chart, bar chart&#10;&#10;Description automatically generated">
-            <a:extLst>
-              <a:ext uri="{FF2B5EF4-FFF2-40B4-BE49-F238E27FC236}">
-                <a16:creationId xmlns:a16="http://schemas.microsoft.com/office/drawing/2014/main" id="{C34DC453-8815-B545-A48D-0C925FD2C0D6}"/>
+          <p:cNvPr id="7" name="Picture 6" descr="A picture containing text&#10;&#10;Description automatically generated">
+            <a:extLst>
+              <a:ext uri="{FF2B5EF4-FFF2-40B4-BE49-F238E27FC236}">
+                <a16:creationId xmlns:a16="http://schemas.microsoft.com/office/drawing/2014/main" id="{E95651F6-85A4-B443-AC55-87C122C058DE}"/>
               </a:ext>
             </a:extLst>
           </p:cNvPr>
@@ -11396,8 +11396,8 @@
         </p:blipFill>
         <p:spPr>
           <a:xfrm>
-            <a:off x="6713610" y="1942340"/>
-            <a:ext cx="4762500" cy="3067581"/>
+            <a:off x="177853" y="1780830"/>
+            <a:ext cx="5746891" cy="3708660"/>
           </a:xfrm>
           <a:prstGeom prst="rect">
             <a:avLst/>
@@ -11480,7 +11480,7 @@
         </p:nvSpPr>
         <p:spPr>
           <a:xfrm>
-            <a:off x="1252925" y="4857750"/>
+            <a:off x="985296" y="4732855"/>
             <a:ext cx="1646392" cy="400110"/>
           </a:xfrm>
           <a:prstGeom prst="rect">
@@ -11522,7 +11522,7 @@
         </p:nvSpPr>
         <p:spPr>
           <a:xfrm>
-            <a:off x="1633375" y="5343505"/>
+            <a:off x="1252925" y="5266477"/>
             <a:ext cx="10018070" cy="1231106"/>
           </a:xfrm>
           <a:prstGeom prst="rect">
@@ -11676,7 +11676,7 @@
         </p:nvSpPr>
         <p:spPr>
           <a:xfrm>
-            <a:off x="1252925" y="2060365"/>
+            <a:off x="985296" y="1773722"/>
             <a:ext cx="1646392" cy="400110"/>
           </a:xfrm>
           <a:prstGeom prst="rect">
@@ -11718,7 +11718,7 @@
         </p:nvSpPr>
         <p:spPr>
           <a:xfrm>
-            <a:off x="1633375" y="2609923"/>
+            <a:off x="1252925" y="2307344"/>
             <a:ext cx="6057852" cy="2015936"/>
           </a:xfrm>
           <a:prstGeom prst="rect">
@@ -11888,6 +11888,58 @@
           </a:p>
         </p:txBody>
       </p:sp>
+      <p:sp>
+        <p:nvSpPr>
+          <p:cNvPr id="9" name="Oval 8">
+            <a:extLst>
+              <a:ext uri="{FF2B5EF4-FFF2-40B4-BE49-F238E27FC236}">
+                <a16:creationId xmlns:a16="http://schemas.microsoft.com/office/drawing/2014/main" id="{92A5DAB0-25F4-6547-B0EF-D8B23ECFCECC}"/>
+              </a:ext>
+            </a:extLst>
+          </p:cNvPr>
+          <p:cNvSpPr/>
+          <p:nvPr/>
+        </p:nvSpPr>
+        <p:spPr>
+          <a:xfrm>
+            <a:off x="7193291" y="656795"/>
+            <a:ext cx="4652735" cy="4652735"/>
+          </a:xfrm>
+          <a:prstGeom prst="ellipse">
+            <a:avLst/>
+          </a:prstGeom>
+          <a:solidFill>
+            <a:schemeClr val="accent3"/>
+          </a:solidFill>
+          <a:ln>
+            <a:noFill/>
+          </a:ln>
+        </p:spPr>
+        <p:style>
+          <a:lnRef idx="2">
+            <a:schemeClr val="accent1">
+              <a:shade val="50000"/>
+            </a:schemeClr>
+          </a:lnRef>
+          <a:fillRef idx="1">
+            <a:schemeClr val="accent1"/>
+          </a:fillRef>
+          <a:effectRef idx="0">
+            <a:schemeClr val="accent1"/>
+          </a:effectRef>
+          <a:fontRef idx="minor">
+            <a:schemeClr val="lt1"/>
+          </a:fontRef>
+        </p:style>
+        <p:txBody>
+          <a:bodyPr rtlCol="0" anchor="ctr"/>
+          <a:lstStyle/>
+          <a:p>
+            <a:pPr algn="ctr"/>
+            <a:endParaRPr lang="en-US" dirty="0"/>
+          </a:p>
+        </p:txBody>
+      </p:sp>
       <p:pic>
         <p:nvPicPr>
           <p:cNvPr id="8" name="Picture 7" descr="Chart, bar chart, treemap chart&#10;&#10;Description automatically generated">
@@ -11910,8 +11962,8 @@
         </p:blipFill>
         <p:spPr>
           <a:xfrm>
-            <a:off x="7405477" y="2060365"/>
-            <a:ext cx="4608901" cy="3072600"/>
+            <a:off x="7803500" y="1839057"/>
+            <a:ext cx="3432319" cy="2288212"/>
           </a:xfrm>
           <a:prstGeom prst="rect">
             <a:avLst/>
@@ -13581,7 +13633,7 @@
         </p:blipFill>
         <p:spPr>
           <a:xfrm>
-            <a:off x="7019975" y="1267063"/>
+            <a:off x="6580776" y="1629301"/>
             <a:ext cx="4860539" cy="2418966"/>
           </a:xfrm>
           <a:prstGeom prst="rect">
@@ -13611,7 +13663,7 @@
         </p:blipFill>
         <p:spPr>
           <a:xfrm>
-            <a:off x="6986065" y="4247117"/>
+            <a:off x="6580776" y="4249302"/>
             <a:ext cx="4894450" cy="2407662"/>
           </a:xfrm>
           <a:prstGeom prst="rect">
@@ -13633,7 +13685,7 @@
         </p:nvSpPr>
         <p:spPr>
           <a:xfrm rot="16200000">
-            <a:off x="5447321" y="5115065"/>
+            <a:off x="4956810" y="5033560"/>
             <a:ext cx="1810728" cy="371475"/>
           </a:xfrm>
           <a:prstGeom prst="rect">
@@ -13673,7 +13725,7 @@
         </p:nvSpPr>
         <p:spPr>
           <a:xfrm rot="16200000">
-            <a:off x="5447321" y="2368110"/>
+            <a:off x="4956810" y="2653047"/>
             <a:ext cx="1810728" cy="371475"/>
           </a:xfrm>
           <a:prstGeom prst="rect">
@@ -17344,6 +17396,9 @@
               <a:lumOff val="35000"/>
             </a:schemeClr>
           </a:solidFill>
+          <a:ln>
+            <a:noFill/>
+          </a:ln>
         </p:spPr>
         <p:style>
           <a:lnRef idx="2">
@@ -17487,7 +17542,7 @@
         </p:nvSpPr>
         <p:spPr>
           <a:xfrm>
-            <a:off x="822328" y="3747159"/>
+            <a:off x="822328" y="4059392"/>
             <a:ext cx="10669072" cy="1690455"/>
           </a:xfrm>
           <a:prstGeom prst="roundRect">
@@ -17499,6 +17554,16 @@
               <a:lumOff val="35000"/>
             </a:schemeClr>
           </a:solidFill>
+          <a:ln>
+            <a:noFill/>
+          </a:ln>
+          <a:effectLst>
+            <a:outerShdw blurRad="50800" dist="571500" dir="1260000" sx="30000" sy="30000" algn="ctr" rotWithShape="0">
+              <a:srgbClr val="000000">
+                <a:alpha val="79000"/>
+              </a:srgbClr>
+            </a:outerShdw>
+          </a:effectLst>
         </p:spPr>
         <p:style>
           <a:lnRef idx="2">
@@ -17521,7 +17586,14 @@
           <a:lstStyle/>
           <a:p>
             <a:pPr algn="ctr"/>
-            <a:endParaRPr lang="en-US"/>
+            <a:endParaRPr lang="en-US">
+              <a:solidFill>
+                <a:schemeClr val="tx1">
+                  <a:lumMod val="50000"/>
+                  <a:lumOff val="50000"/>
+                </a:schemeClr>
+              </a:solidFill>
+            </a:endParaRPr>
           </a:p>
         </p:txBody>
       </p:sp>
@@ -17539,7 +17611,7 @@
         </p:nvSpPr>
         <p:spPr>
           <a:xfrm>
-            <a:off x="1710055" y="4003397"/>
+            <a:off x="1710055" y="4315630"/>
             <a:ext cx="8768839" cy="1200329"/>
           </a:xfrm>
           <a:prstGeom prst="rect">
@@ -17564,7 +17636,7 @@
             <a:r>
               <a:rPr lang="en-US" sz="2400" b="1" dirty="0">
                 <a:solidFill>
-                  <a:srgbClr val="00B0F0"/>
+                  <a:srgbClr val="92D050"/>
                 </a:solidFill>
               </a:rPr>
               <a:t>DOESN’T WORSHIP TRUMP</a:t>
@@ -17576,6 +17648,85 @@
                 </a:solidFill>
               </a:rPr>
               <a:t>. It can be a bit much to process at times....so I feel your pain.</a:t>
+            </a:r>
+          </a:p>
+        </p:txBody>
+      </p:sp>
+      <p:sp>
+        <p:nvSpPr>
+          <p:cNvPr id="3" name="TextBox 2">
+            <a:extLst>
+              <a:ext uri="{FF2B5EF4-FFF2-40B4-BE49-F238E27FC236}">
+                <a16:creationId xmlns:a16="http://schemas.microsoft.com/office/drawing/2014/main" id="{194902D3-E7E8-794A-A6AB-4F2BBC524669}"/>
+              </a:ext>
+            </a:extLst>
+          </p:cNvPr>
+          <p:cNvSpPr txBox="1"/>
+          <p:nvPr/>
+        </p:nvSpPr>
+        <p:spPr>
+          <a:xfrm>
+            <a:off x="715890" y="1269631"/>
+            <a:ext cx="2955074" cy="369332"/>
+          </a:xfrm>
+          <a:prstGeom prst="rect">
+            <a:avLst/>
+          </a:prstGeom>
+          <a:noFill/>
+        </p:spPr>
+        <p:txBody>
+          <a:bodyPr wrap="square" rtlCol="0">
+            <a:spAutoFit/>
+          </a:bodyPr>
+          <a:lstStyle/>
+          <a:p>
+            <a:r>
+              <a:rPr lang="en-US" i="1" dirty="0">
+                <a:solidFill>
+                  <a:schemeClr val="bg1"/>
+                </a:solidFill>
+              </a:rPr>
+              <a:t>Guessed Right, was Left</a:t>
+            </a:r>
+          </a:p>
+        </p:txBody>
+      </p:sp>
+      <p:sp>
+        <p:nvSpPr>
+          <p:cNvPr id="21" name="TextBox 20">
+            <a:extLst>
+              <a:ext uri="{FF2B5EF4-FFF2-40B4-BE49-F238E27FC236}">
+                <a16:creationId xmlns:a16="http://schemas.microsoft.com/office/drawing/2014/main" id="{D59CA103-2628-554E-8694-B2408E48CAA1}"/>
+              </a:ext>
+            </a:extLst>
+          </p:cNvPr>
+          <p:cNvSpPr txBox="1"/>
+          <p:nvPr/>
+        </p:nvSpPr>
+        <p:spPr>
+          <a:xfrm>
+            <a:off x="8536326" y="3675408"/>
+            <a:ext cx="2955074" cy="369332"/>
+          </a:xfrm>
+          <a:prstGeom prst="rect">
+            <a:avLst/>
+          </a:prstGeom>
+          <a:noFill/>
+        </p:spPr>
+        <p:txBody>
+          <a:bodyPr wrap="square" rtlCol="0">
+            <a:spAutoFit/>
+          </a:bodyPr>
+          <a:lstStyle/>
+          <a:p>
+            <a:pPr algn="r"/>
+            <a:r>
+              <a:rPr lang="en-US" i="1" dirty="0">
+                <a:solidFill>
+                  <a:schemeClr val="bg1"/>
+                </a:solidFill>
+              </a:rPr>
+              <a:t>Guessed Left, was Right</a:t>
             </a:r>
           </a:p>
         </p:txBody>
